--- a/docs/figure.pptx
+++ b/docs/figure.pptx
@@ -4620,9 +4620,9 @@
         <p:grpSpPr>
           <a:xfrm>
             <a:off x="433030" y="692696"/>
-            <a:ext cx="7955394" cy="4525729"/>
+            <a:ext cx="8027402" cy="4525729"/>
             <a:chOff x="1305017" y="204186"/>
-            <a:chExt cx="9674478" cy="5681708"/>
+            <a:chExt cx="9762046" cy="5681708"/>
           </a:xfrm>
         </p:grpSpPr>
         <p:sp>
@@ -5058,7 +5058,15 @@
               </a:r>
               <a:r>
                 <a:rPr lang="de-DE" dirty="0" err="1"/>
-                <a:t>mistakes</a:t>
+                <a:t>spelling</a:t>
+              </a:r>
+              <a:r>
+                <a:rPr lang="de-DE" dirty="0"/>
+                <a:t> </a:t>
+              </a:r>
+              <a:r>
+                <a:rPr lang="de-DE" dirty="0" err="1"/>
+                <a:t>errors</a:t>
               </a:r>
               <a:r>
                 <a:rPr lang="de-DE" dirty="0"/>
@@ -5275,7 +5283,7 @@
           <p:spPr>
             <a:xfrm>
               <a:off x="8874413" y="5119244"/>
-              <a:ext cx="1975365" cy="463668"/>
+              <a:ext cx="2192650" cy="425029"/>
             </a:xfrm>
             <a:prstGeom prst="rect">
               <a:avLst/>
@@ -5289,7 +5297,7 @@
             <a:lstStyle/>
             <a:p>
               <a:r>
-                <a:rPr lang="de-DE" dirty="0" err="1">
+                <a:rPr lang="de-DE" sz="1600" dirty="0" err="1">
                   <a:solidFill>
                     <a:schemeClr val="bg1"/>
                   </a:solidFill>
@@ -5297,7 +5305,7 @@
                 <a:t>Ranked</a:t>
               </a:r>
               <a:r>
-                <a:rPr lang="de-DE" dirty="0">
+                <a:rPr lang="de-DE" sz="1600" dirty="0">
                   <a:solidFill>
                     <a:schemeClr val="bg1"/>
                   </a:solidFill>
@@ -5305,14 +5313,14 @@
                 <a:t> </a:t>
               </a:r>
               <a:r>
-                <a:rPr lang="de-DE" dirty="0" err="1">
+                <a:rPr lang="de-DE" sz="1600" dirty="0" err="1">
                   <a:solidFill>
                     <a:schemeClr val="bg1"/>
                   </a:solidFill>
                 </a:rPr>
                 <a:t>Results</a:t>
               </a:r>
-              <a:endParaRPr lang="de-DE" dirty="0">
+              <a:endParaRPr lang="de-DE" sz="1600" dirty="0">
                 <a:solidFill>
                   <a:schemeClr val="bg1"/>
                 </a:solidFill>
@@ -5423,10 +5431,10 @@
       </p:grpSp>
       <p:sp>
         <p:nvSpPr>
-          <p:cNvPr id="4" name="TextBox 3">
+          <p:cNvPr id="24" name="TextBox 23">
             <a:extLst>
               <a:ext uri="{FF2B5EF4-FFF2-40B4-BE49-F238E27FC236}">
-                <a16:creationId xmlns:a16="http://schemas.microsoft.com/office/drawing/2014/main" id="{3D0237AA-815F-421B-A7D8-75B3EAE33517}"/>
+                <a16:creationId xmlns:a16="http://schemas.microsoft.com/office/drawing/2014/main" id="{EEFBAC9E-F59C-4D87-A69B-510C12BB7106}"/>
               </a:ext>
             </a:extLst>
           </p:cNvPr>
@@ -5459,10 +5467,10 @@
       </p:sp>
       <p:sp>
         <p:nvSpPr>
-          <p:cNvPr id="26" name="TextBox 25">
+          <p:cNvPr id="25" name="TextBox 24">
             <a:extLst>
               <a:ext uri="{FF2B5EF4-FFF2-40B4-BE49-F238E27FC236}">
-                <a16:creationId xmlns:a16="http://schemas.microsoft.com/office/drawing/2014/main" id="{75F94442-E121-4920-9D9F-08E9B62E0DF0}"/>
+                <a16:creationId xmlns:a16="http://schemas.microsoft.com/office/drawing/2014/main" id="{5179CFC1-007F-423E-85BD-45C5935B031A}"/>
               </a:ext>
             </a:extLst>
           </p:cNvPr>
